--- a/Docs/GenericOperands_PPT_Intel_Alibaba_Weekly.pptx
+++ b/Docs/GenericOperands_PPT_Intel_Alibaba_Weekly.pptx
@@ -135,35 +135,6 @@
     </p:ext>
   </p:extLst>
 </p:presentation>
-</file>
-
-<file path=ppt/changesInfos/changesInfo1.xml><?xml version="1.0" encoding="utf-8"?>
-<pc:chgInfo xmlns:a="http://schemas.openxmlformats.org/drawingml/2006/main" xmlns:r="http://schemas.openxmlformats.org/officeDocument/2006/relationships" xmlns:ac="http://schemas.microsoft.com/office/drawing/2013/main/command" xmlns:pc="http://schemas.microsoft.com/office/powerpoint/2013/main/command">
-  <pc:docChgLst>
-    <pc:chgData name="Bhateja, Jatin" userId="98cda72f-634a-44b2-9235-c876d61a9fae" providerId="ADAL" clId="{1FF09D28-795F-48CC-BDF9-4B0926272FCD}"/>
-    <pc:docChg chg="custSel modSld">
-      <pc:chgData name="Bhateja, Jatin" userId="98cda72f-634a-44b2-9235-c876d61a9fae" providerId="ADAL" clId="{1FF09D28-795F-48CC-BDF9-4B0926272FCD}" dt="2022-08-04T04:38:04.515" v="28" actId="27636"/>
-      <pc:docMkLst>
-        <pc:docMk/>
-      </pc:docMkLst>
-      <pc:sldChg chg="modSp mod">
-        <pc:chgData name="Bhateja, Jatin" userId="98cda72f-634a-44b2-9235-c876d61a9fae" providerId="ADAL" clId="{1FF09D28-795F-48CC-BDF9-4B0926272FCD}" dt="2022-08-04T04:38:04.515" v="28" actId="27636"/>
-        <pc:sldMkLst>
-          <pc:docMk/>
-          <pc:sldMk cId="1608271580" sldId="256"/>
-        </pc:sldMkLst>
-        <pc:spChg chg="mod">
-          <ac:chgData name="Bhateja, Jatin" userId="98cda72f-634a-44b2-9235-c876d61a9fae" providerId="ADAL" clId="{1FF09D28-795F-48CC-BDF9-4B0926272FCD}" dt="2022-08-04T04:38:04.515" v="28" actId="27636"/>
-          <ac:spMkLst>
-            <pc:docMk/>
-            <pc:sldMk cId="1608271580" sldId="256"/>
-            <ac:spMk id="2" creationId="{10CA98C7-0E74-4759-8B34-795E596B7550}"/>
-          </ac:spMkLst>
-        </pc:spChg>
-      </pc:sldChg>
-    </pc:docChg>
-  </pc:docChgLst>
-</pc:chgInfo>
 </file>
 
 <file path=ppt/diagrams/colors1.xml><?xml version="1.0" encoding="utf-8"?>
@@ -2842,7 +2813,7 @@
           <a:p>
             <a:fld id="{7BFCAAE4-110F-4BFF-ACD2-A39E7D125926}" type="datetimeFigureOut">
               <a:rPr lang="en-US" smtClean="0"/>
-              <a:t>8/4/2022</a:t>
+              <a:t>9/16/2020</a:t>
             </a:fld>
             <a:endParaRPr lang="en-US" dirty="0"/>
           </a:p>
@@ -3831,7 +3802,7 @@
           <a:p>
             <a:fld id="{A5F24605-42D7-4B4B-8A27-6C9FA7ACFA9C}" type="datetimeFigureOut">
               <a:rPr lang="en-US" smtClean="0"/>
-              <a:t>8/4/2022</a:t>
+              <a:t>9/16/2020</a:t>
             </a:fld>
             <a:endParaRPr lang="en-US" dirty="0"/>
           </a:p>
@@ -4029,7 +4000,7 @@
           <a:p>
             <a:fld id="{A5F24605-42D7-4B4B-8A27-6C9FA7ACFA9C}" type="datetimeFigureOut">
               <a:rPr lang="en-US" smtClean="0"/>
-              <a:t>8/4/2022</a:t>
+              <a:t>9/16/2020</a:t>
             </a:fld>
             <a:endParaRPr lang="en-US" dirty="0"/>
           </a:p>
@@ -4237,7 +4208,7 @@
           <a:p>
             <a:fld id="{A5F24605-42D7-4B4B-8A27-6C9FA7ACFA9C}" type="datetimeFigureOut">
               <a:rPr lang="en-US" smtClean="0"/>
-              <a:t>8/4/2022</a:t>
+              <a:t>9/16/2020</a:t>
             </a:fld>
             <a:endParaRPr lang="en-US" dirty="0"/>
           </a:p>
@@ -4435,7 +4406,7 @@
           <a:p>
             <a:fld id="{A5F24605-42D7-4B4B-8A27-6C9FA7ACFA9C}" type="datetimeFigureOut">
               <a:rPr lang="en-US" smtClean="0"/>
-              <a:t>8/4/2022</a:t>
+              <a:t>9/16/2020</a:t>
             </a:fld>
             <a:endParaRPr lang="en-US" dirty="0"/>
           </a:p>
@@ -4710,7 +4681,7 @@
           <a:p>
             <a:fld id="{A5F24605-42D7-4B4B-8A27-6C9FA7ACFA9C}" type="datetimeFigureOut">
               <a:rPr lang="en-US" smtClean="0"/>
-              <a:t>8/4/2022</a:t>
+              <a:t>9/16/2020</a:t>
             </a:fld>
             <a:endParaRPr lang="en-US" dirty="0"/>
           </a:p>
@@ -4975,7 +4946,7 @@
           <a:p>
             <a:fld id="{A5F24605-42D7-4B4B-8A27-6C9FA7ACFA9C}" type="datetimeFigureOut">
               <a:rPr lang="en-US" smtClean="0"/>
-              <a:t>8/4/2022</a:t>
+              <a:t>9/16/2020</a:t>
             </a:fld>
             <a:endParaRPr lang="en-US" dirty="0"/>
           </a:p>
@@ -5387,7 +5358,7 @@
           <a:p>
             <a:fld id="{A5F24605-42D7-4B4B-8A27-6C9FA7ACFA9C}" type="datetimeFigureOut">
               <a:rPr lang="en-US" smtClean="0"/>
-              <a:t>8/4/2022</a:t>
+              <a:t>9/16/2020</a:t>
             </a:fld>
             <a:endParaRPr lang="en-US" dirty="0"/>
           </a:p>
@@ -5528,7 +5499,7 @@
           <a:p>
             <a:fld id="{A5F24605-42D7-4B4B-8A27-6C9FA7ACFA9C}" type="datetimeFigureOut">
               <a:rPr lang="en-US" smtClean="0"/>
-              <a:t>8/4/2022</a:t>
+              <a:t>9/16/2020</a:t>
             </a:fld>
             <a:endParaRPr lang="en-US" dirty="0"/>
           </a:p>
@@ -5641,7 +5612,7 @@
           <a:p>
             <a:fld id="{A5F24605-42D7-4B4B-8A27-6C9FA7ACFA9C}" type="datetimeFigureOut">
               <a:rPr lang="en-US" smtClean="0"/>
-              <a:t>8/4/2022</a:t>
+              <a:t>9/16/2020</a:t>
             </a:fld>
             <a:endParaRPr lang="en-US" dirty="0"/>
           </a:p>
@@ -5952,7 +5923,7 @@
           <a:p>
             <a:fld id="{A5F24605-42D7-4B4B-8A27-6C9FA7ACFA9C}" type="datetimeFigureOut">
               <a:rPr lang="en-US" smtClean="0"/>
-              <a:t>8/4/2022</a:t>
+              <a:t>9/16/2020</a:t>
             </a:fld>
             <a:endParaRPr lang="en-US" dirty="0"/>
           </a:p>
@@ -6240,7 +6211,7 @@
           <a:p>
             <a:fld id="{A5F24605-42D7-4B4B-8A27-6C9FA7ACFA9C}" type="datetimeFigureOut">
               <a:rPr lang="en-US" smtClean="0"/>
-              <a:t>8/4/2022</a:t>
+              <a:t>9/16/2020</a:t>
             </a:fld>
             <a:endParaRPr lang="en-US" dirty="0"/>
           </a:p>
@@ -6481,7 +6452,7 @@
           <a:p>
             <a:fld id="{A5F24605-42D7-4B4B-8A27-6C9FA7ACFA9C}" type="datetimeFigureOut">
               <a:rPr lang="en-US" smtClean="0"/>
-              <a:t>8/4/2022</a:t>
+              <a:t>9/16/2020</a:t>
             </a:fld>
             <a:endParaRPr lang="en-US" dirty="0"/>
           </a:p>
@@ -6914,31 +6885,14 @@
             <p:ph type="ctrTitle"/>
           </p:nvPr>
         </p:nvSpPr>
-        <p:spPr>
-          <a:xfrm>
-            <a:off x="1524000" y="1122363"/>
-            <a:ext cx="9144000" cy="3288272"/>
-          </a:xfrm>
-        </p:spPr>
+        <p:spPr/>
         <p:txBody>
-          <a:bodyPr>
-            <a:normAutofit/>
-          </a:bodyPr>
+          <a:bodyPr/>
           <a:lstStyle/>
           <a:p>
             <a:r>
               <a:rPr lang="en-US" dirty="0"/>
               <a:t>Generic Vector Operand Support</a:t>
-            </a:r>
-            <a:br>
-              <a:rPr lang="en-US" dirty="0"/>
-            </a:br>
-            <a:br>
-              <a:rPr lang="en-US" dirty="0"/>
-            </a:br>
-            <a:r>
-              <a:rPr lang="en-US" sz="2200" b="1" dirty="0"/>
-              <a:t>Jatin Bhateja (Intel)</a:t>
             </a:r>
           </a:p>
         </p:txBody>
